--- a/Диплом файлы/Proektirovanie_i_dokumentirovanie_informatsionnoy_sistemy_ucheta_vremeni_samostoyatelnoy.pptx
+++ b/Диплом файлы/Proektirovanie_i_dokumentirovanie_informatsionnoy_sistemy_ucheta_vremeni_samostoyatelnoy.pptx
@@ -21,8 +21,8 @@
     <p:sldId id="274" r:id="rId12"/>
     <p:sldId id="275" r:id="rId13"/>
     <p:sldId id="276" r:id="rId14"/>
-    <p:sldId id="277" r:id="rId15"/>
-    <p:sldId id="278" r:id="rId16"/>
+    <p:sldId id="278" r:id="rId15"/>
+    <p:sldId id="277" r:id="rId16"/>
     <p:sldId id="279" r:id="rId17"/>
     <p:sldId id="280" r:id="rId18"/>
     <p:sldId id="281" r:id="rId19"/>
@@ -129,7 +129,7 @@
   </p:defaultTextStyle>
   <p:extLst>
     <p:ext uri="{EFAFB233-063F-42B5-8137-9DF3F51BA10A}">
-      <p15:sldGuideLst xmlns:p15="http://schemas.microsoft.com/office/powerpoint/2012/main" xmlns=""/>
+      <p15:sldGuideLst xmlns="" xmlns:p15="http://schemas.microsoft.com/office/powerpoint/2012/main"/>
     </p:ext>
   </p:extLst>
 </p:presentation>
@@ -387,7 +387,7 @@
     </p:spTree>
     <p:extLst>
       <p:ext uri="{BB962C8B-B14F-4D97-AF65-F5344CB8AC3E}">
-        <p14:creationId xmlns:p14="http://schemas.microsoft.com/office/powerpoint/2010/main" xmlns="" val="39499543"/>
+        <p14:creationId xmlns="" xmlns:p14="http://schemas.microsoft.com/office/powerpoint/2010/main" val="39499543"/>
       </p:ext>
     </p:extLst>
   </p:cSld>
@@ -803,7 +803,7 @@
           <a:blip r:embed="rId2" cstate="print">
             <a:extLst>
               <a:ext uri="{28A0092B-C50C-407E-A947-70E740481C1C}">
-                <a14:useLocalDpi xmlns:a14="http://schemas.microsoft.com/office/drawing/2010/main" xmlns="" val="0"/>
+                <a14:useLocalDpi xmlns="" xmlns:a14="http://schemas.microsoft.com/office/drawing/2010/main" val="0"/>
               </a:ext>
             </a:extLst>
           </a:blip>
@@ -1441,7 +1441,7 @@
     </p:spTree>
     <p:extLst>
       <p:ext uri="{BB962C8B-B14F-4D97-AF65-F5344CB8AC3E}">
-        <p14:creationId xmlns:p14="http://schemas.microsoft.com/office/powerpoint/2010/main" xmlns="" val="203376960"/>
+        <p14:creationId xmlns="" xmlns:p14="http://schemas.microsoft.com/office/powerpoint/2010/main" val="203376960"/>
       </p:ext>
     </p:extLst>
   </p:cSld>
@@ -2067,7 +2067,7 @@
     </p:spTree>
     <p:extLst>
       <p:ext uri="{BB962C8B-B14F-4D97-AF65-F5344CB8AC3E}">
-        <p14:creationId xmlns:p14="http://schemas.microsoft.com/office/powerpoint/2010/main" xmlns="" val="833927208"/>
+        <p14:creationId xmlns="" xmlns:p14="http://schemas.microsoft.com/office/powerpoint/2010/main" val="833927208"/>
       </p:ext>
     </p:extLst>
   </p:cSld>
@@ -2972,7 +2972,7 @@
     </p:spTree>
     <p:extLst>
       <p:ext uri="{BB962C8B-B14F-4D97-AF65-F5344CB8AC3E}">
-        <p14:creationId xmlns:p14="http://schemas.microsoft.com/office/powerpoint/2010/main" xmlns="" val="1165857578"/>
+        <p14:creationId xmlns="" xmlns:p14="http://schemas.microsoft.com/office/powerpoint/2010/main" val="1165857578"/>
       </p:ext>
     </p:extLst>
   </p:cSld>
@@ -4100,7 +4100,7 @@
     </p:spTree>
     <p:extLst>
       <p:ext uri="{BB962C8B-B14F-4D97-AF65-F5344CB8AC3E}">
-        <p14:creationId xmlns:p14="http://schemas.microsoft.com/office/powerpoint/2010/main" xmlns="" val="3394902408"/>
+        <p14:creationId xmlns="" xmlns:p14="http://schemas.microsoft.com/office/powerpoint/2010/main" val="3394902408"/>
       </p:ext>
     </p:extLst>
   </p:cSld>
@@ -4613,7 +4613,7 @@
     </p:spTree>
     <p:extLst>
       <p:ext uri="{BB962C8B-B14F-4D97-AF65-F5344CB8AC3E}">
-        <p14:creationId xmlns:p14="http://schemas.microsoft.com/office/powerpoint/2010/main" xmlns="" val="647800981"/>
+        <p14:creationId xmlns="" xmlns:p14="http://schemas.microsoft.com/office/powerpoint/2010/main" val="647800981"/>
       </p:ext>
     </p:extLst>
   </p:cSld>
@@ -5346,7 +5346,7 @@
     </p:spTree>
     <p:extLst>
       <p:ext uri="{BB962C8B-B14F-4D97-AF65-F5344CB8AC3E}">
-        <p14:creationId xmlns:p14="http://schemas.microsoft.com/office/powerpoint/2010/main" xmlns="" val="3931331181"/>
+        <p14:creationId xmlns="" xmlns:p14="http://schemas.microsoft.com/office/powerpoint/2010/main" val="3931331181"/>
       </p:ext>
     </p:extLst>
   </p:cSld>
@@ -6243,7 +6243,7 @@
     </p:spTree>
     <p:extLst>
       <p:ext uri="{BB962C8B-B14F-4D97-AF65-F5344CB8AC3E}">
-        <p14:creationId xmlns:p14="http://schemas.microsoft.com/office/powerpoint/2010/main" xmlns="" val="239613041"/>
+        <p14:creationId xmlns="" xmlns:p14="http://schemas.microsoft.com/office/powerpoint/2010/main" val="239613041"/>
       </p:ext>
     </p:extLst>
   </p:cSld>
@@ -6449,7 +6449,7 @@
     </p:spTree>
     <p:extLst>
       <p:ext uri="{BB962C8B-B14F-4D97-AF65-F5344CB8AC3E}">
-        <p14:creationId xmlns:p14="http://schemas.microsoft.com/office/powerpoint/2010/main" xmlns="" val="1177431376"/>
+        <p14:creationId xmlns="" xmlns:p14="http://schemas.microsoft.com/office/powerpoint/2010/main" val="1177431376"/>
       </p:ext>
     </p:extLst>
   </p:cSld>
@@ -6795,7 +6795,7 @@
     </p:spTree>
     <p:extLst>
       <p:ext uri="{BB962C8B-B14F-4D97-AF65-F5344CB8AC3E}">
-        <p14:creationId xmlns:p14="http://schemas.microsoft.com/office/powerpoint/2010/main" xmlns="" val="2436328640"/>
+        <p14:creationId xmlns="" xmlns:p14="http://schemas.microsoft.com/office/powerpoint/2010/main" val="2436328640"/>
       </p:ext>
     </p:extLst>
   </p:cSld>
@@ -7102,7 +7102,7 @@
     </p:spTree>
     <p:extLst>
       <p:ext uri="{BB962C8B-B14F-4D97-AF65-F5344CB8AC3E}">
-        <p14:creationId xmlns:p14="http://schemas.microsoft.com/office/powerpoint/2010/main" xmlns="" val="240006774"/>
+        <p14:creationId xmlns="" xmlns:p14="http://schemas.microsoft.com/office/powerpoint/2010/main" val="240006774"/>
       </p:ext>
     </p:extLst>
   </p:cSld>
@@ -7512,7 +7512,7 @@
     </p:spTree>
     <p:extLst>
       <p:ext uri="{BB962C8B-B14F-4D97-AF65-F5344CB8AC3E}">
-        <p14:creationId xmlns:p14="http://schemas.microsoft.com/office/powerpoint/2010/main" xmlns="" val="2575733450"/>
+        <p14:creationId xmlns="" xmlns:p14="http://schemas.microsoft.com/office/powerpoint/2010/main" val="2575733450"/>
       </p:ext>
     </p:extLst>
   </p:cSld>
@@ -7813,7 +7813,7 @@
     </p:spTree>
     <p:extLst>
       <p:ext uri="{BB962C8B-B14F-4D97-AF65-F5344CB8AC3E}">
-        <p14:creationId xmlns:p14="http://schemas.microsoft.com/office/powerpoint/2010/main" xmlns="" val="1905609003"/>
+        <p14:creationId xmlns="" xmlns:p14="http://schemas.microsoft.com/office/powerpoint/2010/main" val="1905609003"/>
       </p:ext>
     </p:extLst>
   </p:cSld>
@@ -8243,7 +8243,7 @@
     </p:spTree>
     <p:extLst>
       <p:ext uri="{BB962C8B-B14F-4D97-AF65-F5344CB8AC3E}">
-        <p14:creationId xmlns:p14="http://schemas.microsoft.com/office/powerpoint/2010/main" xmlns="" val="2337585287"/>
+        <p14:creationId xmlns="" xmlns:p14="http://schemas.microsoft.com/office/powerpoint/2010/main" val="2337585287"/>
       </p:ext>
     </p:extLst>
   </p:cSld>
@@ -8512,7 +8512,7 @@
     </p:spTree>
     <p:extLst>
       <p:ext uri="{BB962C8B-B14F-4D97-AF65-F5344CB8AC3E}">
-        <p14:creationId xmlns:p14="http://schemas.microsoft.com/office/powerpoint/2010/main" xmlns="" val="2964937491"/>
+        <p14:creationId xmlns="" xmlns:p14="http://schemas.microsoft.com/office/powerpoint/2010/main" val="2964937491"/>
       </p:ext>
     </p:extLst>
   </p:cSld>
@@ -9213,7 +9213,7 @@
     </p:spTree>
     <p:extLst>
       <p:ext uri="{BB962C8B-B14F-4D97-AF65-F5344CB8AC3E}">
-        <p14:creationId xmlns:p14="http://schemas.microsoft.com/office/powerpoint/2010/main" xmlns="" val="2030844058"/>
+        <p14:creationId xmlns="" xmlns:p14="http://schemas.microsoft.com/office/powerpoint/2010/main" val="2030844058"/>
       </p:ext>
     </p:extLst>
   </p:cSld>
@@ -9679,7 +9679,7 @@
     </p:spTree>
     <p:extLst>
       <p:ext uri="{BB962C8B-B14F-4D97-AF65-F5344CB8AC3E}">
-        <p14:creationId xmlns:p14="http://schemas.microsoft.com/office/powerpoint/2010/main" xmlns="" val="177885924"/>
+        <p14:creationId xmlns="" xmlns:p14="http://schemas.microsoft.com/office/powerpoint/2010/main" val="177885924"/>
       </p:ext>
     </p:extLst>
   </p:cSld>
@@ -10285,7 +10285,7 @@
     </p:spTree>
     <p:extLst>
       <p:ext uri="{BB962C8B-B14F-4D97-AF65-F5344CB8AC3E}">
-        <p14:creationId xmlns:p14="http://schemas.microsoft.com/office/powerpoint/2010/main" xmlns="" val="3866410375"/>
+        <p14:creationId xmlns="" xmlns:p14="http://schemas.microsoft.com/office/powerpoint/2010/main" val="3866410375"/>
       </p:ext>
     </p:extLst>
   </p:cSld>
@@ -10616,7 +10616,7 @@
     </p:spTree>
     <p:extLst>
       <p:ext uri="{BB962C8B-B14F-4D97-AF65-F5344CB8AC3E}">
-        <p14:creationId xmlns:p14="http://schemas.microsoft.com/office/powerpoint/2010/main" xmlns="" val="2950170921"/>
+        <p14:creationId xmlns="" xmlns:p14="http://schemas.microsoft.com/office/powerpoint/2010/main" val="2950170921"/>
       </p:ext>
     </p:extLst>
   </p:cSld>
@@ -11218,7 +11218,7 @@
     </p:spTree>
     <p:extLst>
       <p:ext uri="{BB962C8B-B14F-4D97-AF65-F5344CB8AC3E}">
-        <p14:creationId xmlns:p14="http://schemas.microsoft.com/office/powerpoint/2010/main" xmlns="" val="3595266438"/>
+        <p14:creationId xmlns="" xmlns:p14="http://schemas.microsoft.com/office/powerpoint/2010/main" val="3595266438"/>
       </p:ext>
     </p:extLst>
   </p:cSld>
@@ -12080,7 +12080,7 @@
     </p:spTree>
     <p:extLst>
       <p:ext uri="{BB962C8B-B14F-4D97-AF65-F5344CB8AC3E}">
-        <p14:creationId xmlns:p14="http://schemas.microsoft.com/office/powerpoint/2010/main" xmlns="" val="1941689113"/>
+        <p14:creationId xmlns="" xmlns:p14="http://schemas.microsoft.com/office/powerpoint/2010/main" val="1941689113"/>
       </p:ext>
     </p:extLst>
   </p:cSld>
@@ -12888,7 +12888,7 @@
     </p:spTree>
     <p:extLst>
       <p:ext uri="{BB962C8B-B14F-4D97-AF65-F5344CB8AC3E}">
-        <p14:creationId xmlns:p14="http://schemas.microsoft.com/office/powerpoint/2010/main" xmlns="" val="1657481388"/>
+        <p14:creationId xmlns="" xmlns:p14="http://schemas.microsoft.com/office/powerpoint/2010/main" val="1657481388"/>
       </p:ext>
     </p:extLst>
   </p:cSld>
@@ -13542,7 +13542,7 @@
     </p:spTree>
     <p:extLst>
       <p:ext uri="{BB962C8B-B14F-4D97-AF65-F5344CB8AC3E}">
-        <p14:creationId xmlns:p14="http://schemas.microsoft.com/office/powerpoint/2010/main" xmlns="" val="2306714329"/>
+        <p14:creationId xmlns="" xmlns:p14="http://schemas.microsoft.com/office/powerpoint/2010/main" val="2306714329"/>
       </p:ext>
     </p:extLst>
   </p:cSld>
@@ -13976,7 +13976,7 @@
     </p:spTree>
     <p:extLst>
       <p:ext uri="{BB962C8B-B14F-4D97-AF65-F5344CB8AC3E}">
-        <p14:creationId xmlns:p14="http://schemas.microsoft.com/office/powerpoint/2010/main" xmlns="" val="4028472783"/>
+        <p14:creationId xmlns="" xmlns:p14="http://schemas.microsoft.com/office/powerpoint/2010/main" val="4028472783"/>
       </p:ext>
     </p:extLst>
   </p:cSld>
@@ -14643,7 +14643,7 @@
     </p:spTree>
     <p:extLst>
       <p:ext uri="{BB962C8B-B14F-4D97-AF65-F5344CB8AC3E}">
-        <p14:creationId xmlns:p14="http://schemas.microsoft.com/office/powerpoint/2010/main" xmlns="" val="3407471350"/>
+        <p14:creationId xmlns="" xmlns:p14="http://schemas.microsoft.com/office/powerpoint/2010/main" val="3407471350"/>
       </p:ext>
     </p:extLst>
   </p:cSld>
@@ -14680,7 +14680,7 @@
     </p:spTree>
     <p:extLst>
       <p:ext uri="{BB962C8B-B14F-4D97-AF65-F5344CB8AC3E}">
-        <p14:creationId xmlns:p14="http://schemas.microsoft.com/office/powerpoint/2010/main" xmlns="" val="3198915509"/>
+        <p14:creationId xmlns="" xmlns:p14="http://schemas.microsoft.com/office/powerpoint/2010/main" val="3198915509"/>
       </p:ext>
     </p:extLst>
   </p:cSld>
@@ -15490,7 +15490,7 @@
     </p:spTree>
     <p:extLst>
       <p:ext uri="{BB962C8B-B14F-4D97-AF65-F5344CB8AC3E}">
-        <p14:creationId xmlns:p14="http://schemas.microsoft.com/office/powerpoint/2010/main" xmlns="" val="3595282765"/>
+        <p14:creationId xmlns="" xmlns:p14="http://schemas.microsoft.com/office/powerpoint/2010/main" val="3595282765"/>
       </p:ext>
     </p:extLst>
   </p:cSld>
@@ -16026,7 +16026,7 @@
     </p:spTree>
     <p:extLst>
       <p:ext uri="{BB962C8B-B14F-4D97-AF65-F5344CB8AC3E}">
-        <p14:creationId xmlns:p14="http://schemas.microsoft.com/office/powerpoint/2010/main" xmlns="" val="346019362"/>
+        <p14:creationId xmlns="" xmlns:p14="http://schemas.microsoft.com/office/powerpoint/2010/main" val="346019362"/>
       </p:ext>
     </p:extLst>
   </p:cSld>
@@ -17113,7 +17113,7 @@
     </p:spTree>
     <p:extLst>
       <p:ext uri="{BB962C8B-B14F-4D97-AF65-F5344CB8AC3E}">
-        <p14:creationId xmlns:p14="http://schemas.microsoft.com/office/powerpoint/2010/main" xmlns="" val="133494430"/>
+        <p14:creationId xmlns="" xmlns:p14="http://schemas.microsoft.com/office/powerpoint/2010/main" val="133494430"/>
       </p:ext>
     </p:extLst>
   </p:cSld>
@@ -17248,7 +17248,7 @@
     </p:spTree>
     <p:extLst>
       <p:ext uri="{BB962C8B-B14F-4D97-AF65-F5344CB8AC3E}">
-        <p14:creationId xmlns:p14="http://schemas.microsoft.com/office/powerpoint/2010/main" xmlns="" val="3453031894"/>
+        <p14:creationId xmlns="" xmlns:p14="http://schemas.microsoft.com/office/powerpoint/2010/main" val="3453031894"/>
       </p:ext>
     </p:extLst>
   </p:cSld>
@@ -17545,7 +17545,7 @@
     </p:spTree>
     <p:extLst>
       <p:ext uri="{BB962C8B-B14F-4D97-AF65-F5344CB8AC3E}">
-        <p14:creationId xmlns:p14="http://schemas.microsoft.com/office/powerpoint/2010/main" xmlns="" val="1411133546"/>
+        <p14:creationId xmlns="" xmlns:p14="http://schemas.microsoft.com/office/powerpoint/2010/main" val="1411133546"/>
       </p:ext>
     </p:extLst>
   </p:cSld>
@@ -18091,7 +18091,7 @@
     </p:spTree>
     <p:extLst>
       <p:ext uri="{BB962C8B-B14F-4D97-AF65-F5344CB8AC3E}">
-        <p14:creationId xmlns:p14="http://schemas.microsoft.com/office/powerpoint/2010/main" xmlns="" val="950239162"/>
+        <p14:creationId xmlns="" xmlns:p14="http://schemas.microsoft.com/office/powerpoint/2010/main" val="950239162"/>
       </p:ext>
     </p:extLst>
   </p:cSld>
@@ -18350,7 +18350,7 @@
     </p:spTree>
     <p:extLst>
       <p:ext uri="{BB962C8B-B14F-4D97-AF65-F5344CB8AC3E}">
-        <p14:creationId xmlns:p14="http://schemas.microsoft.com/office/powerpoint/2010/main" xmlns="" val="3082952300"/>
+        <p14:creationId xmlns="" xmlns:p14="http://schemas.microsoft.com/office/powerpoint/2010/main" val="3082952300"/>
       </p:ext>
     </p:extLst>
   </p:cSld>
@@ -18706,7 +18706,12 @@
             <p:ph type="ctrTitle"/>
           </p:nvPr>
         </p:nvSpPr>
-        <p:spPr/>
+        <p:spPr>
+          <a:xfrm>
+            <a:off x="1243208" y="2858518"/>
+            <a:ext cx="9802744" cy="1668284"/>
+          </a:xfrm>
+        </p:spPr>
         <p:txBody>
           <a:bodyPr>
             <a:noAutofit/>
@@ -18715,11 +18720,27 @@
           <a:p>
             <a:r>
               <a:rPr lang="ru-RU" sz="3200" dirty="0" smtClean="0"/>
-              <a:t>Проектирование, документирование и разработка </a:t>
+              <a:t>Проектирование, </a:t>
+            </a:r>
+            <a:r>
+              <a:rPr lang="ru-RU" sz="3200" dirty="0" smtClean="0"/>
+              <a:t>разработка </a:t>
+            </a:r>
+            <a:r>
+              <a:rPr lang="ru-RU" sz="3200" dirty="0" smtClean="0"/>
+              <a:t>и документирование </a:t>
+            </a:r>
+            <a:r>
+              <a:rPr lang="ru-RU" sz="3200" dirty="0" smtClean="0"/>
+              <a:t>и </a:t>
+            </a:r>
+            <a:r>
+              <a:rPr lang="ru-RU" sz="3200" dirty="0" smtClean="0"/>
+              <a:t>информационной </a:t>
             </a:r>
             <a:r>
               <a:rPr lang="ru-RU" sz="3200" dirty="0"/>
-              <a:t>информационной системы учета времени самостоятельной работы студентов </a:t>
+              <a:t>системы учета времени самостоятельной работы студентов </a:t>
             </a:r>
             <a:br>
               <a:rPr lang="ru-RU" sz="3200" dirty="0"/>
@@ -18927,7 +18948,7 @@
     </p:spTree>
     <p:extLst>
       <p:ext uri="{BB962C8B-B14F-4D97-AF65-F5344CB8AC3E}">
-        <p14:creationId xmlns:p14="http://schemas.microsoft.com/office/powerpoint/2010/main" xmlns="" val="2380118871"/>
+        <p14:creationId xmlns="" xmlns:p14="http://schemas.microsoft.com/office/powerpoint/2010/main" val="2380118871"/>
       </p:ext>
     </p:extLst>
   </p:cSld>
@@ -19092,7 +19113,7 @@
     </p:spTree>
     <p:extLst>
       <p:ext uri="{BB962C8B-B14F-4D97-AF65-F5344CB8AC3E}">
-        <p14:creationId xmlns:p14="http://schemas.microsoft.com/office/powerpoint/2010/main" xmlns="" val="3479344048"/>
+        <p14:creationId xmlns="" xmlns:p14="http://schemas.microsoft.com/office/powerpoint/2010/main" val="3479344048"/>
       </p:ext>
     </p:extLst>
   </p:cSld>
@@ -19655,7 +19676,7 @@
       </p:sp>
       <p:pic>
         <p:nvPicPr>
-          <p:cNvPr id="8195" name="Picture 3" descr="A:\Github repo\student-class\Диплом файлы\Скрины программы\Отчет.jpg"/>
+          <p:cNvPr id="9218" name="Picture 2" descr="A:\Github repo\student-class\Диплом файлы\Скрины программы\Отметить есть что.jpg"/>
           <p:cNvPicPr>
             <a:picLocks noChangeAspect="1" noChangeArrowheads="1"/>
           </p:cNvPicPr>
@@ -19663,15 +19684,15 @@
         </p:nvPicPr>
         <p:blipFill>
           <a:blip r:embed="rId2" cstate="print"/>
-          <a:srcRect t="3775"/>
+          <a:srcRect/>
           <a:stretch>
             <a:fillRect/>
           </a:stretch>
         </p:blipFill>
         <p:spPr bwMode="auto">
           <a:xfrm>
-            <a:off x="1276481" y="1865376"/>
-            <a:ext cx="9568303" cy="3958453"/>
+            <a:off x="890016" y="1800990"/>
+            <a:ext cx="10326624" cy="4082363"/>
           </a:xfrm>
           <a:prstGeom prst="rect">
             <a:avLst/>
@@ -19681,14 +19702,14 @@
       </p:pic>
       <p:sp>
         <p:nvSpPr>
-          <p:cNvPr id="8" name="TextBox 7"/>
+          <p:cNvPr id="7" name="TextBox 6"/>
           <p:cNvSpPr txBox="1"/>
           <p:nvPr/>
         </p:nvSpPr>
         <p:spPr>
           <a:xfrm>
             <a:off x="4956048" y="5766816"/>
-            <a:ext cx="2142574" cy="369332"/>
+            <a:ext cx="2227533" cy="369332"/>
           </a:xfrm>
           <a:prstGeom prst="rect">
             <a:avLst/>
@@ -19703,7 +19724,7 @@
           <a:p>
             <a:r>
               <a:rPr lang="ru-RU" dirty="0" smtClean="0"/>
-              <a:t>Отчет о студентах</a:t>
+              <a:t>Отметить студента</a:t>
             </a:r>
             <a:endParaRPr lang="ru-RU" dirty="0"/>
           </a:p>
@@ -19806,7 +19827,7 @@
       </p:sp>
       <p:pic>
         <p:nvPicPr>
-          <p:cNvPr id="9218" name="Picture 2" descr="A:\Github repo\student-class\Диплом файлы\Скрины программы\Отметить есть что.jpg"/>
+          <p:cNvPr id="8195" name="Picture 3" descr="A:\Github repo\student-class\Диплом файлы\Скрины программы\Отчет.jpg"/>
           <p:cNvPicPr>
             <a:picLocks noChangeAspect="1" noChangeArrowheads="1"/>
           </p:cNvPicPr>
@@ -19814,15 +19835,15 @@
         </p:nvPicPr>
         <p:blipFill>
           <a:blip r:embed="rId2" cstate="print"/>
-          <a:srcRect/>
+          <a:srcRect t="3775"/>
           <a:stretch>
             <a:fillRect/>
           </a:stretch>
         </p:blipFill>
         <p:spPr bwMode="auto">
           <a:xfrm>
-            <a:off x="890016" y="1800990"/>
-            <a:ext cx="10326624" cy="4082363"/>
+            <a:off x="1276481" y="1865376"/>
+            <a:ext cx="9568303" cy="3958453"/>
           </a:xfrm>
           <a:prstGeom prst="rect">
             <a:avLst/>
@@ -19832,14 +19853,14 @@
       </p:pic>
       <p:sp>
         <p:nvSpPr>
-          <p:cNvPr id="7" name="TextBox 6"/>
+          <p:cNvPr id="8" name="TextBox 7"/>
           <p:cNvSpPr txBox="1"/>
           <p:nvPr/>
         </p:nvSpPr>
         <p:spPr>
           <a:xfrm>
             <a:off x="4956048" y="5766816"/>
-            <a:ext cx="2227533" cy="369332"/>
+            <a:ext cx="2142574" cy="369332"/>
           </a:xfrm>
           <a:prstGeom prst="rect">
             <a:avLst/>
@@ -19854,7 +19875,7 @@
           <a:p>
             <a:r>
               <a:rPr lang="ru-RU" dirty="0" smtClean="0"/>
-              <a:t>Отметить студента</a:t>
+              <a:t>Отчет о студентах</a:t>
             </a:r>
             <a:endParaRPr lang="ru-RU" dirty="0"/>
           </a:p>
@@ -19988,7 +20009,11 @@
                       <a:pPr algn="l"/>
                       <a:r>
                         <a:rPr lang="ru-RU" sz="2000" b="0" dirty="0" smtClean="0"/>
-                        <a:t>Систему управления</a:t>
+                        <a:t>Система </a:t>
+                      </a:r>
+                      <a:r>
+                        <a:rPr lang="ru-RU" sz="2000" b="0" dirty="0" smtClean="0"/>
+                        <a:t>управления</a:t>
                       </a:r>
                       <a:r>
                         <a:rPr lang="ru-RU" sz="2000" b="0" baseline="0" dirty="0" smtClean="0"/>
@@ -20264,7 +20289,11 @@
           <a:p>
             <a:r>
               <a:rPr lang="ru-RU" dirty="0" smtClean="0"/>
-              <a:t>Основные классы</a:t>
+              <a:t>Основные </a:t>
+            </a:r>
+            <a:r>
+              <a:rPr lang="ru-RU" dirty="0" smtClean="0"/>
+              <a:t>группы сущностей</a:t>
             </a:r>
             <a:endParaRPr lang="ru-RU" dirty="0"/>
           </a:p>
@@ -20436,13 +20465,8 @@
             </a:pPr>
             <a:r>
               <a:rPr lang="en-US" sz="4000" dirty="0" smtClean="0"/>
-              <a:t>Spring Security</a:t>
-            </a:r>
-            <a:r>
-              <a:rPr lang="en-US" sz="4000" dirty="0" smtClean="0"/>
-              <a:t>;</a:t>
-            </a:r>
-            <a:endParaRPr lang="en-US" sz="4000" dirty="0" smtClean="0"/>
+              <a:t>Spring Security;</a:t>
+            </a:r>
           </a:p>
           <a:p>
             <a:pPr>
@@ -20466,11 +20490,7 @@
             </a:pPr>
             <a:r>
               <a:rPr lang="ru-RU" sz="4000" dirty="0" smtClean="0"/>
-              <a:t>р</a:t>
-            </a:r>
-            <a:r>
-              <a:rPr lang="ru-RU" sz="4000" dirty="0" smtClean="0"/>
-              <a:t>азделение на роли</a:t>
+              <a:t>разделение на роли</a:t>
             </a:r>
             <a:r>
               <a:rPr lang="en-US" sz="4000" dirty="0" smtClean="0"/>
@@ -20598,7 +20618,7 @@
         </p:spPr>
         <p:txBody>
           <a:bodyPr>
-            <a:normAutofit/>
+            <a:normAutofit lnSpcReduction="10000"/>
           </a:bodyPr>
           <a:lstStyle/>
           <a:p>
@@ -20642,7 +20662,11 @@
             </a:pPr>
             <a:r>
               <a:rPr lang="ru-RU" sz="4000" dirty="0" smtClean="0"/>
-              <a:t>оповещение пользователей о записи</a:t>
+              <a:t>оповещение пользователей о </a:t>
+            </a:r>
+            <a:r>
+              <a:rPr lang="ru-RU" sz="4000" dirty="0" smtClean="0"/>
+              <a:t>предстоящей записи</a:t>
             </a:r>
             <a:r>
               <a:rPr lang="en-US" sz="4000" dirty="0" smtClean="0"/>
@@ -20894,7 +20918,7 @@
     </p:spTree>
     <p:extLst>
       <p:ext uri="{BB962C8B-B14F-4D97-AF65-F5344CB8AC3E}">
-        <p14:creationId xmlns:p14="http://schemas.microsoft.com/office/powerpoint/2010/main" xmlns="" val="2438276338"/>
+        <p14:creationId xmlns="" xmlns:p14="http://schemas.microsoft.com/office/powerpoint/2010/main" val="2438276338"/>
       </p:ext>
     </p:extLst>
   </p:cSld>
@@ -21150,7 +21174,7 @@
     </p:spTree>
     <p:extLst>
       <p:ext uri="{BB962C8B-B14F-4D97-AF65-F5344CB8AC3E}">
-        <p14:creationId xmlns:p14="http://schemas.microsoft.com/office/powerpoint/2010/main" xmlns="" val="3746704035"/>
+        <p14:creationId xmlns="" xmlns:p14="http://schemas.microsoft.com/office/powerpoint/2010/main" val="3746704035"/>
       </p:ext>
     </p:extLst>
   </p:cSld>
@@ -21227,7 +21251,7 @@
     </p:spTree>
     <p:extLst>
       <p:ext uri="{BB962C8B-B14F-4D97-AF65-F5344CB8AC3E}">
-        <p14:creationId xmlns:p14="http://schemas.microsoft.com/office/powerpoint/2010/main" xmlns="" val="1563330659"/>
+        <p14:creationId xmlns="" xmlns:p14="http://schemas.microsoft.com/office/powerpoint/2010/main" val="1563330659"/>
       </p:ext>
     </p:extLst>
   </p:cSld>
@@ -21505,7 +21529,7 @@
     </p:spTree>
     <p:extLst>
       <p:ext uri="{BB962C8B-B14F-4D97-AF65-F5344CB8AC3E}">
-        <p14:creationId xmlns:p14="http://schemas.microsoft.com/office/powerpoint/2010/main" xmlns="" val="3747369350"/>
+        <p14:creationId xmlns="" xmlns:p14="http://schemas.microsoft.com/office/powerpoint/2010/main" val="3747369350"/>
       </p:ext>
     </p:extLst>
   </p:cSld>
@@ -21605,11 +21629,7 @@
           <a:p>
             <a:r>
               <a:rPr lang="ru-RU" dirty="0" smtClean="0"/>
-              <a:t>А</a:t>
-            </a:r>
-            <a:r>
-              <a:rPr lang="ru-RU" dirty="0" smtClean="0"/>
-              <a:t>налоги системы</a:t>
+              <a:t>Аналоги системы</a:t>
             </a:r>
             <a:endParaRPr lang="ru-RU" dirty="0"/>
           </a:p>
@@ -21643,11 +21663,7 @@
             </a:pPr>
             <a:r>
               <a:rPr lang="ru-RU" sz="4000" dirty="0" smtClean="0"/>
-              <a:t>«1С: Университет</a:t>
-            </a:r>
-            <a:r>
-              <a:rPr lang="ru-RU" sz="4000" dirty="0" smtClean="0"/>
-              <a:t>»</a:t>
+              <a:t>«1С: Университет»</a:t>
             </a:r>
           </a:p>
           <a:p>
@@ -21657,11 +21673,7 @@
             </a:pPr>
             <a:r>
               <a:rPr lang="ru-RU" sz="4000" dirty="0" smtClean="0"/>
-              <a:t>«Электронный журнал</a:t>
-            </a:r>
-            <a:r>
-              <a:rPr lang="ru-RU" sz="4000" dirty="0" smtClean="0"/>
-              <a:t>»</a:t>
+              <a:t>«Электронный журнал»</a:t>
             </a:r>
           </a:p>
           <a:p>
@@ -21910,7 +21922,7 @@
     </p:spTree>
     <p:extLst>
       <p:ext uri="{BB962C8B-B14F-4D97-AF65-F5344CB8AC3E}">
-        <p14:creationId xmlns:p14="http://schemas.microsoft.com/office/powerpoint/2010/main" xmlns="" val="3999524864"/>
+        <p14:creationId xmlns="" xmlns:p14="http://schemas.microsoft.com/office/powerpoint/2010/main" val="3999524864"/>
       </p:ext>
     </p:extLst>
   </p:cSld>
@@ -22269,11 +22281,7 @@
             </a:pPr>
             <a:r>
               <a:rPr lang="en-US" sz="2000" dirty="0" smtClean="0"/>
-              <a:t>Violet </a:t>
-            </a:r>
-            <a:r>
-              <a:rPr lang="en-US" sz="2000" dirty="0" smtClean="0"/>
-              <a:t>UML Editor</a:t>
+              <a:t>Violet UML Editor</a:t>
             </a:r>
             <a:r>
               <a:rPr kumimoji="0" lang="ru-RU" sz="2000" b="0" i="0" u="none" strike="noStrike" kern="1200" cap="none" spc="0" normalizeH="0" baseline="0" noProof="0" dirty="0" smtClean="0">
@@ -22333,11 +22341,7 @@
             </a:pPr>
             <a:r>
               <a:rPr lang="en-US" sz="2000" dirty="0" err="1" smtClean="0"/>
-              <a:t>A</a:t>
-            </a:r>
-            <a:r>
-              <a:rPr lang="en-US" sz="2000" dirty="0" err="1" smtClean="0"/>
-              <a:t>rgoUML</a:t>
+              <a:t>ArgoUML</a:t>
             </a:r>
             <a:r>
               <a:rPr kumimoji="0" lang="ru-RU" sz="2000" b="0" i="0" u="none" strike="noStrike" kern="1200" cap="none" spc="0" normalizeH="0" baseline="0" noProof="0" dirty="0" smtClean="0">
@@ -22631,7 +22635,7 @@
     </p:spTree>
     <p:extLst>
       <p:ext uri="{BB962C8B-B14F-4D97-AF65-F5344CB8AC3E}">
-        <p14:creationId xmlns:p14="http://schemas.microsoft.com/office/powerpoint/2010/main" xmlns="" val="4063628233"/>
+        <p14:creationId xmlns="" xmlns:p14="http://schemas.microsoft.com/office/powerpoint/2010/main" val="4063628233"/>
       </p:ext>
     </p:extLst>
   </p:cSld>
@@ -22802,7 +22806,7 @@
     </p:spTree>
     <p:extLst>
       <p:ext uri="{BB962C8B-B14F-4D97-AF65-F5344CB8AC3E}">
-        <p14:creationId xmlns:p14="http://schemas.microsoft.com/office/powerpoint/2010/main" xmlns="" val="1701930145"/>
+        <p14:creationId xmlns="" xmlns:p14="http://schemas.microsoft.com/office/powerpoint/2010/main" val="1701930145"/>
       </p:ext>
     </p:extLst>
   </p:cSld>
@@ -22967,7 +22971,7 @@
     </p:spTree>
     <p:extLst>
       <p:ext uri="{BB962C8B-B14F-4D97-AF65-F5344CB8AC3E}">
-        <p14:creationId xmlns:p14="http://schemas.microsoft.com/office/powerpoint/2010/main" xmlns="" val="833699375"/>
+        <p14:creationId xmlns="" xmlns:p14="http://schemas.microsoft.com/office/powerpoint/2010/main" val="833699375"/>
       </p:ext>
     </p:extLst>
   </p:cSld>
@@ -23179,7 +23183,7 @@
   <a:extraClrSchemeLst/>
   <a:extLst>
     <a:ext uri="{05A4C25C-085E-4340-85A3-A5531E510DB2}">
-      <thm15:themeFamily xmlns:thm15="http://schemas.microsoft.com/office/thememl/2012/main" xmlns="" name="Тема2" id="{BC451805-E56B-433C-88EA-0C418AB05B62}" vid="{73603D2E-B1E2-4655-880B-8536CA81F801}"/>
+      <thm15:themeFamily xmlns="" xmlns:thm15="http://schemas.microsoft.com/office/thememl/2012/main" name="Тема2" id="{BC451805-E56B-433C-88EA-0C418AB05B62}" vid="{73603D2E-B1E2-4655-880B-8536CA81F801}"/>
     </a:ext>
   </a:extLst>
 </a:theme>
@@ -23440,7 +23444,7 @@
   <a:extraClrSchemeLst/>
   <a:extLst>
     <a:ext uri="{05A4C25C-085E-4340-85A3-A5531E510DB2}">
-      <thm15:themeFamily xmlns:thm15="http://schemas.microsoft.com/office/thememl/2012/main" xmlns="" name="Office Theme" id="{62F939B6-93AF-4DB8-9C6B-D6C7DFDC589F}" vid="{4A3C46E8-61CC-4603-A589-7422A47A8E4A}"/>
+      <thm15:themeFamily xmlns="" xmlns:thm15="http://schemas.microsoft.com/office/thememl/2012/main" name="Office Theme" id="{62F939B6-93AF-4DB8-9C6B-D6C7DFDC589F}" vid="{4A3C46E8-61CC-4603-A589-7422A47A8E4A}"/>
     </a:ext>
   </a:extLst>
 </a:theme>
